--- a/docs/assets/Wiring diagram.pptx
+++ b/docs/assets/Wiring diagram.pptx
@@ -104,6 +104,11 @@
       </a:defRPr>
     </a:lvl9pPr>
   </p:defaultTextStyle>
+  <p:extLst>
+    <p:ext uri="{EFAFB233-063F-42B5-8137-9DF3F51BA10A}">
+      <p15:sldGuideLst xmlns:p15="http://schemas.microsoft.com/office/powerpoint/2012/main"/>
+    </p:ext>
+  </p:extLst>
 </p:presentation>
 </file>
 
@@ -4345,49 +4350,6 @@
             </a:p>
           </p:txBody>
         </p:sp>
-        <p:cxnSp>
-          <p:nvCxnSpPr>
-            <p:cNvPr id="16" name="直線矢印コネクタ 15">
-              <a:extLst>
-                <a:ext uri="{FF2B5EF4-FFF2-40B4-BE49-F238E27FC236}">
-                  <a16:creationId xmlns:a16="http://schemas.microsoft.com/office/drawing/2014/main" id="{A1AE8706-A956-8194-6819-46DF04D1594E}"/>
-                </a:ext>
-              </a:extLst>
-            </p:cNvPr>
-            <p:cNvCxnSpPr/>
-            <p:nvPr/>
-          </p:nvCxnSpPr>
-          <p:spPr>
-            <a:xfrm>
-              <a:off x="5108491" y="3549374"/>
-              <a:ext cx="2946400" cy="0"/>
-            </a:xfrm>
-            <a:prstGeom prst="straightConnector1">
-              <a:avLst/>
-            </a:prstGeom>
-            <a:ln w="76200">
-              <a:solidFill>
-                <a:schemeClr val="accent2"/>
-              </a:solidFill>
-              <a:headEnd type="triangle"/>
-              <a:tailEnd type="triangle"/>
-            </a:ln>
-          </p:spPr>
-          <p:style>
-            <a:lnRef idx="2">
-              <a:schemeClr val="accent1"/>
-            </a:lnRef>
-            <a:fillRef idx="0">
-              <a:schemeClr val="accent1"/>
-            </a:fillRef>
-            <a:effectRef idx="1">
-              <a:schemeClr val="accent1"/>
-            </a:effectRef>
-            <a:fontRef idx="minor">
-              <a:schemeClr val="tx1"/>
-            </a:fontRef>
-          </p:style>
-        </p:cxnSp>
         <p:cxnSp>
           <p:nvCxnSpPr>
             <p:cNvPr id="18" name="直線コネクタ 17">
@@ -5243,6 +5205,50 @@
           </p:txBody>
         </p:sp>
       </p:grpSp>
+      <p:cxnSp>
+        <p:nvCxnSpPr>
+          <p:cNvPr id="3" name="直線矢印コネクタ 2">
+            <a:extLst>
+              <a:ext uri="{FF2B5EF4-FFF2-40B4-BE49-F238E27FC236}">
+                <a16:creationId xmlns:a16="http://schemas.microsoft.com/office/drawing/2014/main" id="{D490FE76-B751-B8B6-311E-5572998551C0}"/>
+              </a:ext>
+            </a:extLst>
+          </p:cNvPr>
+          <p:cNvCxnSpPr>
+            <a:cxnSpLocks/>
+          </p:cNvCxnSpPr>
+          <p:nvPr/>
+        </p:nvCxnSpPr>
+        <p:spPr>
+          <a:xfrm>
+            <a:off x="5367130" y="3542452"/>
+            <a:ext cx="2624246" cy="0"/>
+          </a:xfrm>
+          <a:prstGeom prst="straightConnector1">
+            <a:avLst/>
+          </a:prstGeom>
+          <a:ln w="76200">
+            <a:solidFill>
+              <a:schemeClr val="accent2"/>
+            </a:solidFill>
+            <a:tailEnd type="triangle"/>
+          </a:ln>
+        </p:spPr>
+        <p:style>
+          <a:lnRef idx="2">
+            <a:schemeClr val="accent1"/>
+          </a:lnRef>
+          <a:fillRef idx="0">
+            <a:schemeClr val="accent1"/>
+          </a:fillRef>
+          <a:effectRef idx="1">
+            <a:schemeClr val="accent1"/>
+          </a:effectRef>
+          <a:fontRef idx="minor">
+            <a:schemeClr val="tx1"/>
+          </a:fontRef>
+        </p:style>
+      </p:cxnSp>
     </p:spTree>
     <p:extLst>
       <p:ext uri="{BB962C8B-B14F-4D97-AF65-F5344CB8AC3E}">
@@ -5831,20 +5837,20 @@
 </file>
 
 <file path=customXml/item2.xml><?xml version="1.0" encoding="utf-8"?>
+<p:properties xmlns:p="http://schemas.microsoft.com/office/2006/metadata/properties" xmlns:xsi="http://www.w3.org/2001/XMLSchema-instance" xmlns:pc="http://schemas.microsoft.com/office/infopath/2007/PartnerControls">
+  <documentManagement>
+    <_activity xmlns="9c0ecb95-d213-4f48-9c81-e0377d3b8296" xsi:nil="true"/>
+  </documentManagement>
+</p:properties>
+</file>
+
+<file path=customXml/item3.xml><?xml version="1.0" encoding="utf-8"?>
 <?mso-contentType ?>
 <FormTemplates xmlns="http://schemas.microsoft.com/sharepoint/v3/contenttype/forms">
   <Display>DocumentLibraryForm</Display>
   <Edit>DocumentLibraryForm</Edit>
   <New>DocumentLibraryForm</New>
 </FormTemplates>
-</file>
-
-<file path=customXml/item3.xml><?xml version="1.0" encoding="utf-8"?>
-<p:properties xmlns:p="http://schemas.microsoft.com/office/2006/metadata/properties" xmlns:xsi="http://www.w3.org/2001/XMLSchema-instance" xmlns:pc="http://schemas.microsoft.com/office/infopath/2007/PartnerControls">
-  <documentManagement>
-    <_activity xmlns="9c0ecb95-d213-4f48-9c81-e0377d3b8296" xsi:nil="true"/>
-  </documentManagement>
-</p:properties>
 </file>
 
 <file path=customXml/itemProps1.xml><?xml version="1.0" encoding="utf-8"?>
@@ -5867,14 +5873,6 @@
 </file>
 
 <file path=customXml/itemProps2.xml><?xml version="1.0" encoding="utf-8"?>
-<ds:datastoreItem xmlns:ds="http://schemas.openxmlformats.org/officeDocument/2006/customXml" ds:itemID="{BEE76D20-7C53-4831-906A-EE4D8E56DEAE}">
-  <ds:schemaRefs>
-    <ds:schemaRef ds:uri="http://schemas.microsoft.com/sharepoint/v3/contenttype/forms"/>
-  </ds:schemaRefs>
-</ds:datastoreItem>
-</file>
-
-<file path=customXml/itemProps3.xml><?xml version="1.0" encoding="utf-8"?>
 <ds:datastoreItem xmlns:ds="http://schemas.openxmlformats.org/officeDocument/2006/customXml" ds:itemID="{0085EAB4-55EC-419D-A3DD-FAC54816A8DB}">
   <ds:schemaRefs>
     <ds:schemaRef ds:uri="http://schemas.microsoft.com/office/2006/documentManagement/types"/>
@@ -5889,4 +5887,12 @@
     <ds:schemaRef ds:uri="836d6682-93bb-4bdf-9c02-63f8a5e99dda"/>
   </ds:schemaRefs>
 </ds:datastoreItem>
+</file>
+
+<file path=customXml/itemProps3.xml><?xml version="1.0" encoding="utf-8"?>
+<ds:datastoreItem xmlns:ds="http://schemas.openxmlformats.org/officeDocument/2006/customXml" ds:itemID="{BEE76D20-7C53-4831-906A-EE4D8E56DEAE}">
+  <ds:schemaRefs>
+    <ds:schemaRef ds:uri="http://schemas.microsoft.com/sharepoint/v3/contenttype/forms"/>
+  </ds:schemaRefs>
+</ds:datastoreItem>
 </file>